--- a/2018-01-31.pptx
+++ b/2018-01-31.pptx
@@ -1839,7 +1839,7 @@
         </p:nvSpPr>
         <p:spPr>
           <a:xfrm>
-            <a:off x="381300" y="685800"/>
+            <a:off x="381000" y="685800"/>
             <a:ext cx="6096000" cy="3429000"/>
           </a:xfrm>
           <a:custGeom>
@@ -4440,11 +4440,11 @@
   <p:clrMapOvr>
     <a:masterClrMapping/>
   </p:clrMapOvr>
-  <mc:AlternateContent xmlns:mc="http://schemas.openxmlformats.org/markup-compatibility/2006">
-    <mc:Choice xmlns:p14="http://schemas.microsoft.com/office/powerpoint/2010/main" Requires="p14">
+  <mc:AlternateContent xmlns:mc="http://schemas.openxmlformats.org/markup-compatibility/2006" xmlns:p14="http://schemas.microsoft.com/office/powerpoint/2010/main">
+    <mc:Choice Requires="p14">
       <p:transition spd="slow" p14:dur="2000" advTm="10000"/>
     </mc:Choice>
-    <mc:Fallback>
+    <mc:Fallback xmlns="">
       <p:transition spd="slow" advTm="10000"/>
     </mc:Fallback>
   </mc:AlternateContent>
@@ -5182,11 +5182,11 @@
   <p:clrMapOvr>
     <a:masterClrMapping/>
   </p:clrMapOvr>
-  <mc:AlternateContent xmlns:mc="http://schemas.openxmlformats.org/markup-compatibility/2006">
-    <mc:Choice xmlns:p14="http://schemas.microsoft.com/office/powerpoint/2010/main" Requires="p14">
+  <mc:AlternateContent xmlns:mc="http://schemas.openxmlformats.org/markup-compatibility/2006" xmlns:p14="http://schemas.microsoft.com/office/powerpoint/2010/main">
+    <mc:Choice Requires="p14">
       <p:transition spd="slow" p14:dur="2000" advTm="10000"/>
     </mc:Choice>
-    <mc:Fallback>
+    <mc:Fallback xmlns="">
       <p:transition spd="slow" advTm="10000"/>
     </mc:Fallback>
   </mc:AlternateContent>
@@ -5357,11 +5357,11 @@
   <p:clrMapOvr>
     <a:masterClrMapping/>
   </p:clrMapOvr>
-  <mc:AlternateContent xmlns:mc="http://schemas.openxmlformats.org/markup-compatibility/2006">
-    <mc:Choice xmlns:p14="http://schemas.microsoft.com/office/powerpoint/2010/main" Requires="p14">
+  <mc:AlternateContent xmlns:mc="http://schemas.openxmlformats.org/markup-compatibility/2006" xmlns:p14="http://schemas.microsoft.com/office/powerpoint/2010/main">
+    <mc:Choice Requires="p14">
       <p:transition spd="slow" p14:dur="2000" advTm="10000"/>
     </mc:Choice>
-    <mc:Fallback>
+    <mc:Fallback xmlns="">
       <p:transition spd="slow" advTm="10000"/>
     </mc:Fallback>
   </mc:AlternateContent>
@@ -5909,11 +5909,11 @@
   <p:clrMapOvr>
     <a:masterClrMapping/>
   </p:clrMapOvr>
-  <mc:AlternateContent xmlns:mc="http://schemas.openxmlformats.org/markup-compatibility/2006">
-    <mc:Choice xmlns:p14="http://schemas.microsoft.com/office/powerpoint/2010/main" Requires="p14">
+  <mc:AlternateContent xmlns:mc="http://schemas.openxmlformats.org/markup-compatibility/2006" xmlns:p14="http://schemas.microsoft.com/office/powerpoint/2010/main">
+    <mc:Choice Requires="p14">
       <p:transition spd="slow" p14:dur="2000" advTm="10000"/>
     </mc:Choice>
-    <mc:Fallback>
+    <mc:Fallback xmlns="">
       <p:transition spd="slow" advTm="10000"/>
     </mc:Fallback>
   </mc:AlternateContent>
@@ -6517,11 +6517,11 @@
   <p:clrMapOvr>
     <a:masterClrMapping/>
   </p:clrMapOvr>
-  <mc:AlternateContent xmlns:mc="http://schemas.openxmlformats.org/markup-compatibility/2006">
-    <mc:Choice xmlns:p14="http://schemas.microsoft.com/office/powerpoint/2010/main" Requires="p14">
+  <mc:AlternateContent xmlns:mc="http://schemas.openxmlformats.org/markup-compatibility/2006" xmlns:p14="http://schemas.microsoft.com/office/powerpoint/2010/main">
+    <mc:Choice Requires="p14">
       <p:transition spd="slow" p14:dur="2000" advTm="10000"/>
     </mc:Choice>
-    <mc:Fallback>
+    <mc:Fallback xmlns="">
       <p:transition spd="slow" advTm="10000"/>
     </mc:Fallback>
   </mc:AlternateContent>
@@ -7073,11 +7073,11 @@
   <p:clrMapOvr>
     <a:masterClrMapping/>
   </p:clrMapOvr>
-  <mc:AlternateContent xmlns:mc="http://schemas.openxmlformats.org/markup-compatibility/2006">
-    <mc:Choice xmlns:p14="http://schemas.microsoft.com/office/powerpoint/2010/main" Requires="p14">
+  <mc:AlternateContent xmlns:mc="http://schemas.openxmlformats.org/markup-compatibility/2006" xmlns:p14="http://schemas.microsoft.com/office/powerpoint/2010/main">
+    <mc:Choice Requires="p14">
       <p:transition spd="slow" p14:dur="2000" advTm="10000"/>
     </mc:Choice>
-    <mc:Fallback>
+    <mc:Fallback xmlns="">
       <p:transition spd="slow" advTm="10000"/>
     </mc:Fallback>
   </mc:AlternateContent>
@@ -7375,11 +7375,11 @@
   <p:clrMapOvr>
     <a:masterClrMapping/>
   </p:clrMapOvr>
-  <mc:AlternateContent xmlns:mc="http://schemas.openxmlformats.org/markup-compatibility/2006">
-    <mc:Choice xmlns:p14="http://schemas.microsoft.com/office/powerpoint/2010/main" Requires="p14">
+  <mc:AlternateContent xmlns:mc="http://schemas.openxmlformats.org/markup-compatibility/2006" xmlns:p14="http://schemas.microsoft.com/office/powerpoint/2010/main">
+    <mc:Choice Requires="p14">
       <p:transition spd="slow" p14:dur="2000" advTm="10000"/>
     </mc:Choice>
-    <mc:Fallback>
+    <mc:Fallback xmlns="">
       <p:transition spd="slow" advTm="10000"/>
     </mc:Fallback>
   </mc:AlternateContent>
@@ -7804,11 +7804,11 @@
   <p:clrMapOvr>
     <a:masterClrMapping/>
   </p:clrMapOvr>
-  <mc:AlternateContent xmlns:mc="http://schemas.openxmlformats.org/markup-compatibility/2006">
-    <mc:Choice xmlns:p14="http://schemas.microsoft.com/office/powerpoint/2010/main" Requires="p14">
+  <mc:AlternateContent xmlns:mc="http://schemas.openxmlformats.org/markup-compatibility/2006" xmlns:p14="http://schemas.microsoft.com/office/powerpoint/2010/main">
+    <mc:Choice Requires="p14">
       <p:transition spd="slow" p14:dur="2000" advTm="10000"/>
     </mc:Choice>
-    <mc:Fallback>
+    <mc:Fallback xmlns="">
       <p:transition spd="slow" advTm="10000"/>
     </mc:Fallback>
   </mc:AlternateContent>
@@ -8356,11 +8356,11 @@
   <p:clrMapOvr>
     <a:masterClrMapping/>
   </p:clrMapOvr>
-  <mc:AlternateContent xmlns:mc="http://schemas.openxmlformats.org/markup-compatibility/2006">
-    <mc:Choice xmlns:p14="http://schemas.microsoft.com/office/powerpoint/2010/main" Requires="p14">
+  <mc:AlternateContent xmlns:mc="http://schemas.openxmlformats.org/markup-compatibility/2006" xmlns:p14="http://schemas.microsoft.com/office/powerpoint/2010/main">
+    <mc:Choice Requires="p14">
       <p:transition spd="slow" p14:dur="2000" advTm="10000"/>
     </mc:Choice>
-    <mc:Fallback>
+    <mc:Fallback xmlns="">
       <p:transition spd="slow" advTm="10000"/>
     </mc:Fallback>
   </mc:AlternateContent>
@@ -9032,11 +9032,11 @@
   <p:clrMapOvr>
     <a:masterClrMapping/>
   </p:clrMapOvr>
-  <mc:AlternateContent xmlns:mc="http://schemas.openxmlformats.org/markup-compatibility/2006">
-    <mc:Choice xmlns:p14="http://schemas.microsoft.com/office/powerpoint/2010/main" Requires="p14">
+  <mc:AlternateContent xmlns:mc="http://schemas.openxmlformats.org/markup-compatibility/2006" xmlns:p14="http://schemas.microsoft.com/office/powerpoint/2010/main">
+    <mc:Choice Requires="p14">
       <p:transition spd="slow" p14:dur="2000" advTm="10000"/>
     </mc:Choice>
-    <mc:Fallback>
+    <mc:Fallback xmlns="">
       <p:transition spd="slow" advTm="10000"/>
     </mc:Fallback>
   </mc:AlternateContent>
@@ -9249,11 +9249,11 @@
   <p:clrMapOvr>
     <a:masterClrMapping/>
   </p:clrMapOvr>
-  <mc:AlternateContent xmlns:mc="http://schemas.openxmlformats.org/markup-compatibility/2006">
-    <mc:Choice xmlns:p14="http://schemas.microsoft.com/office/powerpoint/2010/main" Requires="p14">
+  <mc:AlternateContent xmlns:mc="http://schemas.openxmlformats.org/markup-compatibility/2006" xmlns:p14="http://schemas.microsoft.com/office/powerpoint/2010/main">
+    <mc:Choice Requires="p14">
       <p:transition spd="slow" p14:dur="2000" advTm="10000"/>
     </mc:Choice>
-    <mc:Fallback>
+    <mc:Fallback xmlns="">
       <p:transition spd="slow" advTm="10000"/>
     </mc:Fallback>
   </mc:AlternateContent>
@@ -9988,11 +9988,11 @@
     <p:sldLayoutId id="2147483657" r:id="rId10"/>
     <p:sldLayoutId id="2147483658" r:id="rId11"/>
   </p:sldLayoutIdLst>
-  <mc:AlternateContent xmlns:mc="http://schemas.openxmlformats.org/markup-compatibility/2006">
-    <mc:Choice xmlns:p14="http://schemas.microsoft.com/office/powerpoint/2010/main" Requires="p14">
+  <mc:AlternateContent xmlns:mc="http://schemas.openxmlformats.org/markup-compatibility/2006" xmlns:p14="http://schemas.microsoft.com/office/powerpoint/2010/main">
+    <mc:Choice Requires="p14">
       <p:transition spd="slow" p14:dur="2000" advTm="10000"/>
     </mc:Choice>
-    <mc:Fallback>
+    <mc:Fallback xmlns="">
       <p:transition spd="slow" advTm="10000"/>
     </mc:Fallback>
   </mc:AlternateContent>
@@ -10564,11 +10564,11 @@
   <p:clrMapOvr>
     <a:masterClrMapping/>
   </p:clrMapOvr>
-  <mc:AlternateContent xmlns:mc="http://schemas.openxmlformats.org/markup-compatibility/2006">
-    <mc:Choice xmlns:p14="http://schemas.microsoft.com/office/powerpoint/2010/main" Requires="p14">
+  <mc:AlternateContent xmlns:mc="http://schemas.openxmlformats.org/markup-compatibility/2006" xmlns:p14="http://schemas.microsoft.com/office/powerpoint/2010/main">
+    <mc:Choice Requires="p14">
       <p:transition spd="slow" p14:dur="2000" advTm="10000"/>
     </mc:Choice>
-    <mc:Fallback>
+    <mc:Fallback xmlns="">
       <p:transition spd="slow" advTm="10000"/>
     </mc:Fallback>
   </mc:AlternateContent>
@@ -10734,11 +10734,11 @@
   <p:clrMapOvr>
     <a:masterClrMapping/>
   </p:clrMapOvr>
-  <mc:AlternateContent xmlns:mc="http://schemas.openxmlformats.org/markup-compatibility/2006">
-    <mc:Choice xmlns:p14="http://schemas.microsoft.com/office/powerpoint/2010/main" Requires="p14">
+  <mc:AlternateContent xmlns:mc="http://schemas.openxmlformats.org/markup-compatibility/2006" xmlns:p14="http://schemas.microsoft.com/office/powerpoint/2010/main">
+    <mc:Choice Requires="p14">
       <p:transition spd="slow" p14:dur="2000" advTm="10000"/>
     </mc:Choice>
-    <mc:Fallback>
+    <mc:Fallback xmlns="">
       <p:transition spd="slow" advTm="10000"/>
     </mc:Fallback>
   </mc:AlternateContent>
@@ -10908,11 +10908,11 @@
   <p:clrMapOvr>
     <a:masterClrMapping/>
   </p:clrMapOvr>
-  <mc:AlternateContent xmlns:mc="http://schemas.openxmlformats.org/markup-compatibility/2006">
-    <mc:Choice xmlns:p14="http://schemas.microsoft.com/office/powerpoint/2010/main" Requires="p14">
+  <mc:AlternateContent xmlns:mc="http://schemas.openxmlformats.org/markup-compatibility/2006" xmlns:p14="http://schemas.microsoft.com/office/powerpoint/2010/main">
+    <mc:Choice Requires="p14">
       <p:transition spd="slow" p14:dur="2000" advTm="10000"/>
     </mc:Choice>
-    <mc:Fallback>
+    <mc:Fallback xmlns="">
       <p:transition spd="slow" advTm="10000"/>
     </mc:Fallback>
   </mc:AlternateContent>
@@ -11082,11 +11082,11 @@
   <p:clrMapOvr>
     <a:masterClrMapping/>
   </p:clrMapOvr>
-  <mc:AlternateContent xmlns:mc="http://schemas.openxmlformats.org/markup-compatibility/2006">
-    <mc:Choice xmlns:p14="http://schemas.microsoft.com/office/powerpoint/2010/main" Requires="p14">
+  <mc:AlternateContent xmlns:mc="http://schemas.openxmlformats.org/markup-compatibility/2006" xmlns:p14="http://schemas.microsoft.com/office/powerpoint/2010/main">
+    <mc:Choice Requires="p14">
       <p:transition spd="slow" p14:dur="2000" advTm="10000"/>
     </mc:Choice>
-    <mc:Fallback>
+    <mc:Fallback xmlns="">
       <p:transition spd="slow" advTm="10000"/>
     </mc:Fallback>
   </mc:AlternateContent>
@@ -11268,11 +11268,11 @@
   <p:clrMapOvr>
     <a:masterClrMapping/>
   </p:clrMapOvr>
-  <mc:AlternateContent xmlns:mc="http://schemas.openxmlformats.org/markup-compatibility/2006">
-    <mc:Choice xmlns:p14="http://schemas.microsoft.com/office/powerpoint/2010/main" Requires="p14">
+  <mc:AlternateContent xmlns:mc="http://schemas.openxmlformats.org/markup-compatibility/2006" xmlns:p14="http://schemas.microsoft.com/office/powerpoint/2010/main">
+    <mc:Choice Requires="p14">
       <p:transition spd="slow" p14:dur="2000" advTm="10000"/>
     </mc:Choice>
-    <mc:Fallback>
+    <mc:Fallback xmlns="">
       <p:transition spd="slow" advTm="10000"/>
     </mc:Fallback>
   </mc:AlternateContent>
@@ -11442,11 +11442,11 @@
   <p:clrMapOvr>
     <a:masterClrMapping/>
   </p:clrMapOvr>
-  <mc:AlternateContent xmlns:mc="http://schemas.openxmlformats.org/markup-compatibility/2006">
-    <mc:Choice xmlns:p14="http://schemas.microsoft.com/office/powerpoint/2010/main" Requires="p14">
+  <mc:AlternateContent xmlns:mc="http://schemas.openxmlformats.org/markup-compatibility/2006" xmlns:p14="http://schemas.microsoft.com/office/powerpoint/2010/main">
+    <mc:Choice Requires="p14">
       <p:transition spd="slow" p14:dur="2000" advTm="10000"/>
     </mc:Choice>
-    <mc:Fallback>
+    <mc:Fallback xmlns="">
       <p:transition spd="slow" advTm="10000"/>
     </mc:Fallback>
   </mc:AlternateContent>
@@ -11616,11 +11616,11 @@
   <p:clrMapOvr>
     <a:masterClrMapping/>
   </p:clrMapOvr>
-  <mc:AlternateContent xmlns:mc="http://schemas.openxmlformats.org/markup-compatibility/2006">
-    <mc:Choice xmlns:p14="http://schemas.microsoft.com/office/powerpoint/2010/main" Requires="p14">
+  <mc:AlternateContent xmlns:mc="http://schemas.openxmlformats.org/markup-compatibility/2006" xmlns:p14="http://schemas.microsoft.com/office/powerpoint/2010/main">
+    <mc:Choice Requires="p14">
       <p:transition spd="slow" p14:dur="2000" advTm="10000"/>
     </mc:Choice>
-    <mc:Fallback>
+    <mc:Fallback xmlns="">
       <p:transition spd="slow" advTm="10000"/>
     </mc:Fallback>
   </mc:AlternateContent>
@@ -11775,16 +11775,7 @@
                 </a:solidFill>
                 <a:hlinkClick r:id="rId3"/>
               </a:rPr>
-              <a:t>www.meetup.com/okc-</a:t>
-            </a:r>
-            <a:r>
-              <a:rPr lang="en" u="sng">
-                <a:solidFill>
-                  <a:schemeClr val="hlink"/>
-                </a:solidFill>
-                <a:hlinkClick r:id="rId3"/>
-              </a:rPr>
-              <a:t>lugnuts</a:t>
+              <a:t>www.meetup.com/okc-lugnuts</a:t>
             </a:r>
             <a:r>
               <a:rPr lang="en"/>
@@ -11799,11 +11790,11 @@
   <p:clrMapOvr>
     <a:masterClrMapping/>
   </p:clrMapOvr>
-  <mc:AlternateContent xmlns:mc="http://schemas.openxmlformats.org/markup-compatibility/2006">
-    <mc:Choice xmlns:p14="http://schemas.microsoft.com/office/powerpoint/2010/main" Requires="p14">
+  <mc:AlternateContent xmlns:mc="http://schemas.openxmlformats.org/markup-compatibility/2006" xmlns:p14="http://schemas.microsoft.com/office/powerpoint/2010/main">
+    <mc:Choice Requires="p14">
       <p:transition spd="slow" p14:dur="2000" advTm="10000"/>
     </mc:Choice>
-    <mc:Fallback>
+    <mc:Fallback xmlns="">
       <p:transition spd="slow" advTm="10000"/>
     </mc:Fallback>
   </mc:AlternateContent>
@@ -11958,16 +11949,7 @@
                 </a:solidFill>
                 <a:hlinkClick r:id="rId3"/>
               </a:rPr>
-              <a:t>www.meetup.com/</a:t>
-            </a:r>
-            <a:r>
-              <a:rPr lang="en" u="sng">
-                <a:solidFill>
-                  <a:schemeClr val="hlink"/>
-                </a:solidFill>
-                <a:hlinkClick r:id="rId3"/>
-              </a:rPr>
-              <a:t>okc-osh</a:t>
+              <a:t>www.meetup.com/okc-osh</a:t>
             </a:r>
             <a:r>
               <a:rPr lang="en"/>
@@ -11982,11 +11964,11 @@
   <p:clrMapOvr>
     <a:masterClrMapping/>
   </p:clrMapOvr>
-  <mc:AlternateContent xmlns:mc="http://schemas.openxmlformats.org/markup-compatibility/2006">
-    <mc:Choice xmlns:p14="http://schemas.microsoft.com/office/powerpoint/2010/main" Requires="p14">
+  <mc:AlternateContent xmlns:mc="http://schemas.openxmlformats.org/markup-compatibility/2006" xmlns:p14="http://schemas.microsoft.com/office/powerpoint/2010/main">
+    <mc:Choice Requires="p14">
       <p:transition spd="slow" p14:dur="2000" advTm="10000"/>
     </mc:Choice>
-    <mc:Fallback>
+    <mc:Fallback xmlns="">
       <p:transition spd="slow" advTm="10000"/>
     </mc:Fallback>
   </mc:AlternateContent>
@@ -12156,11 +12138,11 @@
   <p:clrMapOvr>
     <a:masterClrMapping/>
   </p:clrMapOvr>
-  <mc:AlternateContent xmlns:mc="http://schemas.openxmlformats.org/markup-compatibility/2006">
-    <mc:Choice xmlns:p14="http://schemas.microsoft.com/office/powerpoint/2010/main" Requires="p14">
+  <mc:AlternateContent xmlns:mc="http://schemas.openxmlformats.org/markup-compatibility/2006" xmlns:p14="http://schemas.microsoft.com/office/powerpoint/2010/main">
+    <mc:Choice Requires="p14">
       <p:transition spd="slow" p14:dur="2000" advTm="10000"/>
     </mc:Choice>
-    <mc:Fallback>
+    <mc:Fallback xmlns="">
       <p:transition spd="slow" advTm="10000"/>
     </mc:Fallback>
   </mc:AlternateContent>
@@ -12315,16 +12297,7 @@
                 </a:solidFill>
                 <a:hlinkClick r:id="rId3"/>
               </a:rPr>
-              <a:t>www.meetup.com/okc-</a:t>
-            </a:r>
-            <a:r>
-              <a:rPr lang="en" u="sng">
-                <a:solidFill>
-                  <a:schemeClr val="hlink"/>
-                </a:solidFill>
-                <a:hlinkClick r:id="rId3"/>
-              </a:rPr>
-              <a:t>jug</a:t>
+              <a:t>www.meetup.com/okc-jug</a:t>
             </a:r>
             <a:r>
               <a:rPr lang="en"/>
@@ -12339,11 +12312,11 @@
   <p:clrMapOvr>
     <a:masterClrMapping/>
   </p:clrMapOvr>
-  <mc:AlternateContent xmlns:mc="http://schemas.openxmlformats.org/markup-compatibility/2006">
-    <mc:Choice xmlns:p14="http://schemas.microsoft.com/office/powerpoint/2010/main" Requires="p14">
+  <mc:AlternateContent xmlns:mc="http://schemas.openxmlformats.org/markup-compatibility/2006" xmlns:p14="http://schemas.microsoft.com/office/powerpoint/2010/main">
+    <mc:Choice Requires="p14">
       <p:transition spd="slow" p14:dur="2000" advTm="10000"/>
     </mc:Choice>
-    <mc:Fallback>
+    <mc:Fallback xmlns="">
       <p:transition spd="slow" advTm="10000"/>
     </mc:Fallback>
   </mc:AlternateContent>
@@ -12430,11 +12403,11 @@
   <p:clrMapOvr>
     <a:masterClrMapping/>
   </p:clrMapOvr>
-  <mc:AlternateContent xmlns:mc="http://schemas.openxmlformats.org/markup-compatibility/2006">
-    <mc:Choice xmlns:p14="http://schemas.microsoft.com/office/powerpoint/2010/main" Requires="p14">
+  <mc:AlternateContent xmlns:mc="http://schemas.openxmlformats.org/markup-compatibility/2006" xmlns:p14="http://schemas.microsoft.com/office/powerpoint/2010/main">
+    <mc:Choice Requires="p14">
       <p:transition spd="slow" p14:dur="2000" advTm="10000"/>
     </mc:Choice>
-    <mc:Fallback>
+    <mc:Fallback xmlns="">
       <p:transition spd="slow" advTm="10000"/>
     </mc:Fallback>
   </mc:AlternateContent>
@@ -12535,10 +12508,10 @@
               <a:buNone/>
             </a:pPr>
             <a:r>
-              <a:rPr lang="en"/>
+              <a:rPr lang="en" dirty="0"/>
               <a:t>Wednesday 2/14</a:t>
             </a:r>
-            <a:endParaRPr/>
+            <a:endParaRPr dirty="0"/>
           </a:p>
           <a:p>
             <a:pPr marL="0" lvl="0" indent="0" rtl="0">
@@ -12551,10 +12524,10 @@
               <a:buNone/>
             </a:pPr>
             <a:r>
-              <a:rPr lang="en"/>
+              <a:rPr lang="en" dirty="0"/>
               <a:t>11:30 - 12:30</a:t>
             </a:r>
-            <a:endParaRPr/>
+            <a:endParaRPr dirty="0"/>
           </a:p>
           <a:p>
             <a:pPr marL="0" lvl="0" indent="0" rtl="0">
@@ -12567,10 +12540,18 @@
               <a:buNone/>
             </a:pPr>
             <a:r>
-              <a:rPr lang="en"/>
-              <a:t>Topic to be Announced</a:t>
+              <a:rPr lang="en-US" dirty="0" smtClean="0"/>
+              <a:t>Machine Learning with </a:t>
             </a:r>
-            <a:endParaRPr/>
+            <a:r>
+              <a:rPr lang="en-US" dirty="0" err="1" smtClean="0"/>
+              <a:t>Scikit</a:t>
+            </a:r>
+            <a:r>
+              <a:rPr lang="en-US" dirty="0" smtClean="0"/>
+              <a:t>-Learn</a:t>
+            </a:r>
+            <a:endParaRPr dirty="0"/>
           </a:p>
           <a:p>
             <a:pPr marL="0" lvl="0" indent="0" rtl="0">
@@ -12583,7 +12564,7 @@
               <a:buNone/>
             </a:pPr>
             <a:r>
-              <a:rPr lang="en" u="sng">
+              <a:rPr lang="en" u="sng" dirty="0">
                 <a:solidFill>
                   <a:schemeClr val="hlink"/>
                 </a:solidFill>
@@ -12592,10 +12573,10 @@
               <a:t>www.meetup.com/okcpython</a:t>
             </a:r>
             <a:r>
-              <a:rPr lang="en"/>
+              <a:rPr lang="en" dirty="0"/>
               <a:t> </a:t>
             </a:r>
-            <a:endParaRPr/>
+            <a:endParaRPr dirty="0"/>
           </a:p>
         </p:txBody>
       </p:sp>
@@ -12604,11 +12585,11 @@
   <p:clrMapOvr>
     <a:masterClrMapping/>
   </p:clrMapOvr>
-  <mc:AlternateContent xmlns:mc="http://schemas.openxmlformats.org/markup-compatibility/2006">
-    <mc:Choice xmlns:p14="http://schemas.microsoft.com/office/powerpoint/2010/main" Requires="p14">
+  <mc:AlternateContent xmlns:mc="http://schemas.openxmlformats.org/markup-compatibility/2006" xmlns:p14="http://schemas.microsoft.com/office/powerpoint/2010/main">
+    <mc:Choice Requires="p14">
       <p:transition spd="slow" p14:dur="2000" advTm="10000"/>
     </mc:Choice>
-    <mc:Fallback>
+    <mc:Fallback xmlns="">
       <p:transition spd="slow" advTm="10000"/>
     </mc:Fallback>
   </mc:AlternateContent>
@@ -12778,11 +12759,11 @@
   <p:clrMapOvr>
     <a:masterClrMapping/>
   </p:clrMapOvr>
-  <mc:AlternateContent xmlns:mc="http://schemas.openxmlformats.org/markup-compatibility/2006">
-    <mc:Choice xmlns:p14="http://schemas.microsoft.com/office/powerpoint/2010/main" Requires="p14">
+  <mc:AlternateContent xmlns:mc="http://schemas.openxmlformats.org/markup-compatibility/2006" xmlns:p14="http://schemas.microsoft.com/office/powerpoint/2010/main">
+    <mc:Choice Requires="p14">
       <p:transition spd="slow" p14:dur="2000" advTm="10000"/>
     </mc:Choice>
-    <mc:Fallback>
+    <mc:Fallback xmlns="">
       <p:transition spd="slow" advTm="10000"/>
     </mc:Fallback>
   </mc:AlternateContent>
@@ -12952,11 +12933,11 @@
   <p:clrMapOvr>
     <a:masterClrMapping/>
   </p:clrMapOvr>
-  <mc:AlternateContent xmlns:mc="http://schemas.openxmlformats.org/markup-compatibility/2006">
-    <mc:Choice xmlns:p14="http://schemas.microsoft.com/office/powerpoint/2010/main" Requires="p14">
+  <mc:AlternateContent xmlns:mc="http://schemas.openxmlformats.org/markup-compatibility/2006" xmlns:p14="http://schemas.microsoft.com/office/powerpoint/2010/main">
+    <mc:Choice Requires="p14">
       <p:transition spd="slow" p14:dur="2000" advTm="10000"/>
     </mc:Choice>
-    <mc:Fallback>
+    <mc:Fallback xmlns="">
       <p:transition spd="slow" advTm="10000"/>
     </mc:Fallback>
   </mc:AlternateContent>
@@ -13126,11 +13107,11 @@
   <p:clrMapOvr>
     <a:masterClrMapping/>
   </p:clrMapOvr>
-  <mc:AlternateContent xmlns:mc="http://schemas.openxmlformats.org/markup-compatibility/2006">
-    <mc:Choice xmlns:p14="http://schemas.microsoft.com/office/powerpoint/2010/main" Requires="p14">
+  <mc:AlternateContent xmlns:mc="http://schemas.openxmlformats.org/markup-compatibility/2006" xmlns:p14="http://schemas.microsoft.com/office/powerpoint/2010/main">
+    <mc:Choice Requires="p14">
       <p:transition spd="slow" p14:dur="2000" advTm="10000"/>
     </mc:Choice>
-    <mc:Fallback>
+    <mc:Fallback xmlns="">
       <p:transition spd="slow" advTm="10000"/>
     </mc:Fallback>
   </mc:AlternateContent>
@@ -13300,11 +13281,11 @@
   <p:clrMapOvr>
     <a:masterClrMapping/>
   </p:clrMapOvr>
-  <mc:AlternateContent xmlns:mc="http://schemas.openxmlformats.org/markup-compatibility/2006">
-    <mc:Choice xmlns:p14="http://schemas.microsoft.com/office/powerpoint/2010/main" Requires="p14">
+  <mc:AlternateContent xmlns:mc="http://schemas.openxmlformats.org/markup-compatibility/2006" xmlns:p14="http://schemas.microsoft.com/office/powerpoint/2010/main">
+    <mc:Choice Requires="p14">
       <p:transition spd="slow" p14:dur="2000" advTm="10000"/>
     </mc:Choice>
-    <mc:Fallback>
+    <mc:Fallback xmlns="">
       <p:transition spd="slow" advTm="10000"/>
     </mc:Fallback>
   </mc:AlternateContent>
@@ -13493,11 +13474,11 @@
   <p:clrMapOvr>
     <a:masterClrMapping/>
   </p:clrMapOvr>
-  <mc:AlternateContent xmlns:mc="http://schemas.openxmlformats.org/markup-compatibility/2006">
-    <mc:Choice xmlns:p14="http://schemas.microsoft.com/office/powerpoint/2010/main" Requires="p14">
+  <mc:AlternateContent xmlns:mc="http://schemas.openxmlformats.org/markup-compatibility/2006" xmlns:p14="http://schemas.microsoft.com/office/powerpoint/2010/main">
+    <mc:Choice Requires="p14">
       <p:transition spd="slow" p14:dur="2000" advTm="10000"/>
     </mc:Choice>
-    <mc:Fallback>
+    <mc:Fallback xmlns="">
       <p:transition spd="slow" advTm="10000"/>
     </mc:Fallback>
   </mc:AlternateContent>
@@ -13656,16 +13637,7 @@
                 </a:solidFill>
                 <a:hlinkClick r:id="rId3"/>
               </a:rPr>
-              <a:t>www.meetup.com/</a:t>
-            </a:r>
-            <a:r>
-              <a:rPr lang="en" sz="2800" u="sng">
-                <a:solidFill>
-                  <a:schemeClr val="hlink"/>
-                </a:solidFill>
-                <a:hlinkClick r:id="rId3"/>
-              </a:rPr>
-              <a:t>okc-wordpress-users-group</a:t>
+              <a:t>www.meetup.com/okc-wordpress-users-group</a:t>
             </a:r>
             <a:r>
               <a:rPr lang="en" sz="2800"/>
@@ -13680,11 +13652,11 @@
   <p:clrMapOvr>
     <a:masterClrMapping/>
   </p:clrMapOvr>
-  <mc:AlternateContent xmlns:mc="http://schemas.openxmlformats.org/markup-compatibility/2006">
-    <mc:Choice xmlns:p14="http://schemas.microsoft.com/office/powerpoint/2010/main" Requires="p14">
+  <mc:AlternateContent xmlns:mc="http://schemas.openxmlformats.org/markup-compatibility/2006" xmlns:p14="http://schemas.microsoft.com/office/powerpoint/2010/main">
+    <mc:Choice Requires="p14">
       <p:transition spd="slow" p14:dur="2000" advTm="10000"/>
     </mc:Choice>
-    <mc:Fallback>
+    <mc:Fallback xmlns="">
       <p:transition spd="slow" advTm="10000"/>
     </mc:Fallback>
   </mc:AlternateContent>
@@ -13854,11 +13826,11 @@
   <p:clrMapOvr>
     <a:masterClrMapping/>
   </p:clrMapOvr>
-  <mc:AlternateContent xmlns:mc="http://schemas.openxmlformats.org/markup-compatibility/2006">
-    <mc:Choice xmlns:p14="http://schemas.microsoft.com/office/powerpoint/2010/main" Requires="p14">
+  <mc:AlternateContent xmlns:mc="http://schemas.openxmlformats.org/markup-compatibility/2006" xmlns:p14="http://schemas.microsoft.com/office/powerpoint/2010/main">
+    <mc:Choice Requires="p14">
       <p:transition spd="slow" p14:dur="2000" advTm="10000"/>
     </mc:Choice>
-    <mc:Fallback>
+    <mc:Fallback xmlns="">
       <p:transition spd="slow" advTm="10000"/>
     </mc:Fallback>
   </mc:AlternateContent>
@@ -14028,11 +14000,11 @@
   <p:clrMapOvr>
     <a:masterClrMapping/>
   </p:clrMapOvr>
-  <mc:AlternateContent xmlns:mc="http://schemas.openxmlformats.org/markup-compatibility/2006">
-    <mc:Choice xmlns:p14="http://schemas.microsoft.com/office/powerpoint/2010/main" Requires="p14">
+  <mc:AlternateContent xmlns:mc="http://schemas.openxmlformats.org/markup-compatibility/2006" xmlns:p14="http://schemas.microsoft.com/office/powerpoint/2010/main">
+    <mc:Choice Requires="p14">
       <p:transition spd="slow" p14:dur="2000" advTm="10000"/>
     </mc:Choice>
-    <mc:Fallback>
+    <mc:Fallback xmlns="">
       <p:transition spd="slow" advTm="10000"/>
     </mc:Fallback>
   </mc:AlternateContent>
@@ -14202,11 +14174,11 @@
   <p:clrMapOvr>
     <a:masterClrMapping/>
   </p:clrMapOvr>
-  <mc:AlternateContent xmlns:mc="http://schemas.openxmlformats.org/markup-compatibility/2006">
-    <mc:Choice xmlns:p14="http://schemas.microsoft.com/office/powerpoint/2010/main" Requires="p14">
+  <mc:AlternateContent xmlns:mc="http://schemas.openxmlformats.org/markup-compatibility/2006" xmlns:p14="http://schemas.microsoft.com/office/powerpoint/2010/main">
+    <mc:Choice Requires="p14">
       <p:transition spd="slow" p14:dur="2000" advTm="10000"/>
     </mc:Choice>
-    <mc:Fallback>
+    <mc:Fallback xmlns="">
       <p:transition spd="slow" advTm="10000"/>
     </mc:Fallback>
   </mc:AlternateContent>
@@ -14383,11 +14355,11 @@
   <p:clrMapOvr>
     <a:masterClrMapping/>
   </p:clrMapOvr>
-  <mc:AlternateContent xmlns:mc="http://schemas.openxmlformats.org/markup-compatibility/2006">
-    <mc:Choice xmlns:p14="http://schemas.microsoft.com/office/powerpoint/2010/main" Requires="p14">
+  <mc:AlternateContent xmlns:mc="http://schemas.openxmlformats.org/markup-compatibility/2006" xmlns:p14="http://schemas.microsoft.com/office/powerpoint/2010/main">
+    <mc:Choice Requires="p14">
       <p:transition spd="slow" p14:dur="2000" advTm="10000"/>
     </mc:Choice>
-    <mc:Fallback>
+    <mc:Fallback xmlns="">
       <p:transition spd="slow" advTm="10000"/>
     </mc:Fallback>
   </mc:AlternateContent>
@@ -14557,11 +14529,11 @@
   <p:clrMapOvr>
     <a:masterClrMapping/>
   </p:clrMapOvr>
-  <mc:AlternateContent xmlns:mc="http://schemas.openxmlformats.org/markup-compatibility/2006">
-    <mc:Choice xmlns:p14="http://schemas.microsoft.com/office/powerpoint/2010/main" Requires="p14">
+  <mc:AlternateContent xmlns:mc="http://schemas.openxmlformats.org/markup-compatibility/2006" xmlns:p14="http://schemas.microsoft.com/office/powerpoint/2010/main">
+    <mc:Choice Requires="p14">
       <p:transition spd="slow" p14:dur="2000" advTm="10000"/>
     </mc:Choice>
-    <mc:Fallback>
+    <mc:Fallback xmlns="">
       <p:transition spd="slow" advTm="10000"/>
     </mc:Fallback>
   </mc:AlternateContent>
@@ -14706,11 +14678,11 @@
   <p:clrMapOvr>
     <a:masterClrMapping/>
   </p:clrMapOvr>
-  <mc:AlternateContent xmlns:mc="http://schemas.openxmlformats.org/markup-compatibility/2006">
-    <mc:Choice xmlns:p14="http://schemas.microsoft.com/office/powerpoint/2010/main" Requires="p14">
+  <mc:AlternateContent xmlns:mc="http://schemas.openxmlformats.org/markup-compatibility/2006" xmlns:p14="http://schemas.microsoft.com/office/powerpoint/2010/main">
+    <mc:Choice Requires="p14">
       <p:transition spd="slow" p14:dur="2000" advTm="10000"/>
     </mc:Choice>
-    <mc:Fallback>
+    <mc:Fallback xmlns="">
       <p:transition spd="slow" advTm="10000"/>
     </mc:Fallback>
   </mc:AlternateContent>
@@ -14871,11 +14843,11 @@
   <p:clrMapOvr>
     <a:masterClrMapping/>
   </p:clrMapOvr>
-  <mc:AlternateContent xmlns:mc="http://schemas.openxmlformats.org/markup-compatibility/2006">
-    <mc:Choice xmlns:p14="http://schemas.microsoft.com/office/powerpoint/2010/main" Requires="p14">
+  <mc:AlternateContent xmlns:mc="http://schemas.openxmlformats.org/markup-compatibility/2006" xmlns:p14="http://schemas.microsoft.com/office/powerpoint/2010/main">
+    <mc:Choice Requires="p14">
       <p:transition spd="slow" p14:dur="2000" advTm="10000"/>
     </mc:Choice>
-    <mc:Fallback>
+    <mc:Fallback xmlns="">
       <p:transition spd="slow" advTm="10000"/>
     </mc:Fallback>
   </mc:AlternateContent>
@@ -15029,11 +15001,11 @@
   <p:clrMapOvr>
     <a:masterClrMapping/>
   </p:clrMapOvr>
-  <mc:AlternateContent xmlns:mc="http://schemas.openxmlformats.org/markup-compatibility/2006">
-    <mc:Choice xmlns:p14="http://schemas.microsoft.com/office/powerpoint/2010/main" Requires="p14">
+  <mc:AlternateContent xmlns:mc="http://schemas.openxmlformats.org/markup-compatibility/2006" xmlns:p14="http://schemas.microsoft.com/office/powerpoint/2010/main">
+    <mc:Choice Requires="p14">
       <p:transition spd="slow" p14:dur="2000" advTm="10000"/>
     </mc:Choice>
-    <mc:Fallback>
+    <mc:Fallback xmlns="">
       <p:transition spd="slow" advTm="10000"/>
     </mc:Fallback>
   </mc:AlternateContent>
@@ -15187,11 +15159,11 @@
   <p:clrMapOvr>
     <a:masterClrMapping/>
   </p:clrMapOvr>
-  <mc:AlternateContent xmlns:mc="http://schemas.openxmlformats.org/markup-compatibility/2006">
-    <mc:Choice xmlns:p14="http://schemas.microsoft.com/office/powerpoint/2010/main" Requires="p14">
+  <mc:AlternateContent xmlns:mc="http://schemas.openxmlformats.org/markup-compatibility/2006" xmlns:p14="http://schemas.microsoft.com/office/powerpoint/2010/main">
+    <mc:Choice Requires="p14">
       <p:transition spd="slow" p14:dur="2000" advTm="10000"/>
     </mc:Choice>
-    <mc:Fallback>
+    <mc:Fallback xmlns="">
       <p:transition spd="slow" advTm="10000"/>
     </mc:Fallback>
   </mc:AlternateContent>
@@ -15336,11 +15308,11 @@
   <p:clrMapOvr>
     <a:masterClrMapping/>
   </p:clrMapOvr>
-  <mc:AlternateContent xmlns:mc="http://schemas.openxmlformats.org/markup-compatibility/2006">
-    <mc:Choice xmlns:p14="http://schemas.microsoft.com/office/powerpoint/2010/main" Requires="p14">
+  <mc:AlternateContent xmlns:mc="http://schemas.openxmlformats.org/markup-compatibility/2006" xmlns:p14="http://schemas.microsoft.com/office/powerpoint/2010/main">
+    <mc:Choice Requires="p14">
       <p:transition spd="slow" p14:dur="2000" advTm="10000"/>
     </mc:Choice>
-    <mc:Fallback>
+    <mc:Fallback xmlns="">
       <p:transition spd="slow" advTm="10000"/>
     </mc:Fallback>
   </mc:AlternateContent>
@@ -15478,11 +15450,11 @@
   <p:clrMapOvr>
     <a:masterClrMapping/>
   </p:clrMapOvr>
-  <mc:AlternateContent xmlns:mc="http://schemas.openxmlformats.org/markup-compatibility/2006">
-    <mc:Choice xmlns:p14="http://schemas.microsoft.com/office/powerpoint/2010/main" Requires="p14">
+  <mc:AlternateContent xmlns:mc="http://schemas.openxmlformats.org/markup-compatibility/2006" xmlns:p14="http://schemas.microsoft.com/office/powerpoint/2010/main">
+    <mc:Choice Requires="p14">
       <p:transition spd="slow" p14:dur="2000" advTm="10000"/>
     </mc:Choice>
-    <mc:Fallback>
+    <mc:Fallback xmlns="">
       <p:transition spd="slow" advTm="10000"/>
     </mc:Fallback>
   </mc:AlternateContent>
